--- a/ccs.pptx
+++ b/ccs.pptx
@@ -7799,13 +7799,21 @@
           <a:p>
             <a:r>
               <a:rPr lang="en-US" altLang="zh-CN" sz="3600" dirty="0" smtClean="0"/>
-              <a:t>Why the coyote couldn’t memorize the “song” although he tried so hard?</a:t>
-            </a:r>
-          </a:p>
-          <a:p>
+              <a:t>Why </a:t>
+            </a:r>
+            <a:r>
+              <a:rPr lang="en-US" altLang="zh-CN" sz="3600" dirty="0"/>
+              <a:t>couldn’t the </a:t>
+            </a:r>
             <a:r>
               <a:rPr lang="en-US" altLang="zh-CN" sz="3600" dirty="0" smtClean="0"/>
-              <a:t>Why the coyote misunderstand the true meaning of his song?</a:t>
+              <a:t>coyote memorize the “song” although he tried so hard?</a:t>
+            </a:r>
+          </a:p>
+          <a:p>
+            <a:r>
+              <a:rPr lang="en-US" altLang="zh-CN" sz="3600" dirty="0" smtClean="0"/>
+              <a:t>Why did the coyote misunderstand the true meaning of the “song”?</a:t>
             </a:r>
             <a:endParaRPr lang="zh-CN" altLang="en-US" sz="3600" dirty="0"/>
           </a:p>
@@ -7930,7 +7938,7 @@
           <a:p>
             <a:r>
               <a:rPr lang="en-US" altLang="zh-CN" sz="2800" dirty="0" smtClean="0"/>
-              <a:t>E.g. memorize words in contents; understanding the meaning of a poem before reciting it.</a:t>
+              <a:t>E.g. memorizing words in contents; understanding the meaning of a poem before reciting it.</a:t>
             </a:r>
             <a:endParaRPr lang="zh-CN" altLang="en-US" sz="2800" dirty="0"/>
           </a:p>
@@ -8526,7 +8534,15 @@
           <a:p>
             <a:r>
               <a:rPr lang="en-US" altLang="zh-CN" sz="2400" dirty="0" smtClean="0"/>
-              <a:t>If you don’t, then you should actively get involved. Example, when learning physics, doing some experiments to verify the laws is extremely helpful.</a:t>
+              <a:t>If you don’t, then you should actively get involved. </a:t>
+            </a:r>
+            <a:r>
+              <a:rPr lang="en-US" altLang="zh-CN" sz="2400" dirty="0" smtClean="0"/>
+              <a:t>E.g., </a:t>
+            </a:r>
+            <a:r>
+              <a:rPr lang="en-US" altLang="zh-CN" sz="2400" dirty="0" smtClean="0"/>
+              <a:t>when learning physics, doing some experiments to verify the laws is extremely helpful.</a:t>
             </a:r>
             <a:endParaRPr lang="zh-CN" altLang="en-US" sz="2400" dirty="0"/>
           </a:p>
